--- a/D2FlexibleParametric_Pt2.pptx
+++ b/D2FlexibleParametric_Pt2.pptx
@@ -70,7 +70,7 @@
   <pc:docChgLst>
     <pc:chgData name="Nicole De La Mata" userId="878a281c-078f-44b6-973f-8ffac8d417e1" providerId="ADAL" clId="{79196F8A-5B65-4817-BD1C-5897143AED69}"/>
     <pc:docChg chg="undo custSel addSld delSld modSld sldOrd">
-      <pc:chgData name="Nicole De La Mata" userId="878a281c-078f-44b6-973f-8ffac8d417e1" providerId="ADAL" clId="{79196F8A-5B65-4817-BD1C-5897143AED69}" dt="2026-02-25T19:54:42.750" v="1600" actId="20577"/>
+      <pc:chgData name="Nicole De La Mata" userId="878a281c-078f-44b6-973f-8ffac8d417e1" providerId="ADAL" clId="{79196F8A-5B65-4817-BD1C-5897143AED69}" dt="2026-02-27T00:10:32.976" v="1602" actId="20577"/>
       <pc:docMkLst>
         <pc:docMk/>
       </pc:docMkLst>
@@ -134,14 +134,6 @@
             <ac:spMk id="3" creationId="{59AA3552-3FC4-B15A-1E9A-90356BAB0618}"/>
           </ac:spMkLst>
         </pc:spChg>
-        <pc:picChg chg="add del mod">
-          <ac:chgData name="Nicole De La Mata" userId="878a281c-078f-44b6-973f-8ffac8d417e1" providerId="ADAL" clId="{79196F8A-5B65-4817-BD1C-5897143AED69}" dt="2026-02-25T10:26:08.801" v="1296" actId="478"/>
-          <ac:picMkLst>
-            <pc:docMk/>
-            <pc:sldMk cId="572718469" sldId="542"/>
-            <ac:picMk id="5" creationId="{227AF306-8759-84E2-86D9-12D8677576C9}"/>
-          </ac:picMkLst>
-        </pc:picChg>
         <pc:picChg chg="add mod">
           <ac:chgData name="Nicole De La Mata" userId="878a281c-078f-44b6-973f-8ffac8d417e1" providerId="ADAL" clId="{79196F8A-5B65-4817-BD1C-5897143AED69}" dt="2026-02-25T10:26:14.333" v="1299" actId="1076"/>
           <ac:picMkLst>
@@ -165,13 +157,6 @@
             <ac:spMk id="2" creationId="{B4503971-BA9B-F651-B8DF-325C272C42A4}"/>
           </ac:spMkLst>
         </pc:spChg>
-      </pc:sldChg>
-      <pc:sldChg chg="add del">
-        <pc:chgData name="Nicole De La Mata" userId="878a281c-078f-44b6-973f-8ffac8d417e1" providerId="ADAL" clId="{79196F8A-5B65-4817-BD1C-5897143AED69}" dt="2026-02-24T19:48:47.377" v="800" actId="2890"/>
-        <pc:sldMkLst>
-          <pc:docMk/>
-          <pc:sldMk cId="3755306169" sldId="546"/>
-        </pc:sldMkLst>
       </pc:sldChg>
       <pc:sldChg chg="modSp add mod ord">
         <pc:chgData name="Nicole De La Mata" userId="878a281c-078f-44b6-973f-8ffac8d417e1" providerId="ADAL" clId="{79196F8A-5B65-4817-BD1C-5897143AED69}" dt="2026-02-25T09:50:37.120" v="1225" actId="1076"/>
@@ -240,14 +225,6 @@
             <ac:spMk id="2" creationId="{F9C17B2A-258C-2207-A62D-77981429E34C}"/>
           </ac:spMkLst>
         </pc:spChg>
-        <pc:spChg chg="del">
-          <ac:chgData name="Nicole De La Mata" userId="878a281c-078f-44b6-973f-8ffac8d417e1" providerId="ADAL" clId="{79196F8A-5B65-4817-BD1C-5897143AED69}" dt="2026-02-24T22:38:01.265" v="1089" actId="478"/>
-          <ac:spMkLst>
-            <pc:docMk/>
-            <pc:sldMk cId="1035328112" sldId="574"/>
-            <ac:spMk id="3" creationId="{18713350-0072-96FE-FD38-D59D15A01FFE}"/>
-          </ac:spMkLst>
-        </pc:spChg>
         <pc:spChg chg="add mod">
           <ac:chgData name="Nicole De La Mata" userId="878a281c-078f-44b6-973f-8ffac8d417e1" providerId="ADAL" clId="{79196F8A-5B65-4817-BD1C-5897143AED69}" dt="2026-02-24T22:38:20.417" v="1090"/>
           <ac:spMkLst>
@@ -256,17 +233,9 @@
             <ac:spMk id="4" creationId="{979C625D-7565-61DD-C2DB-AD6DD83E9060}"/>
           </ac:spMkLst>
         </pc:spChg>
-        <pc:picChg chg="del">
-          <ac:chgData name="Nicole De La Mata" userId="878a281c-078f-44b6-973f-8ffac8d417e1" providerId="ADAL" clId="{79196F8A-5B65-4817-BD1C-5897143AED69}" dt="2026-02-24T20:34:05.072" v="963" actId="478"/>
-          <ac:picMkLst>
-            <pc:docMk/>
-            <pc:sldMk cId="1035328112" sldId="574"/>
-            <ac:picMk id="5" creationId="{24595D08-0EB1-DA86-2A47-A398B1FD7CA7}"/>
-          </ac:picMkLst>
-        </pc:picChg>
       </pc:sldChg>
       <pc:sldChg chg="addSp delSp modSp add mod ord">
-        <pc:chgData name="Nicole De La Mata" userId="878a281c-078f-44b6-973f-8ffac8d417e1" providerId="ADAL" clId="{79196F8A-5B65-4817-BD1C-5897143AED69}" dt="2026-02-24T20:35:51.945" v="1060" actId="1038"/>
+        <pc:chgData name="Nicole De La Mata" userId="878a281c-078f-44b6-973f-8ffac8d417e1" providerId="ADAL" clId="{79196F8A-5B65-4817-BD1C-5897143AED69}" dt="2026-02-27T00:10:32.976" v="1602" actId="20577"/>
         <pc:sldMkLst>
           <pc:docMk/>
           <pc:sldMk cId="1648936318" sldId="575"/>
@@ -288,7 +257,7 @@
           </ac:spMkLst>
         </pc:spChg>
         <pc:spChg chg="mod">
-          <ac:chgData name="Nicole De La Mata" userId="878a281c-078f-44b6-973f-8ffac8d417e1" providerId="ADAL" clId="{79196F8A-5B65-4817-BD1C-5897143AED69}" dt="2026-02-24T20:35:51.945" v="1060" actId="1038"/>
+          <ac:chgData name="Nicole De La Mata" userId="878a281c-078f-44b6-973f-8ffac8d417e1" providerId="ADAL" clId="{79196F8A-5B65-4817-BD1C-5897143AED69}" dt="2026-02-27T00:10:32.976" v="1602" actId="20577"/>
           <ac:spMkLst>
             <pc:docMk/>
             <pc:sldMk cId="1648936318" sldId="575"/>
@@ -311,14 +280,6 @@
             <ac:spMk id="9" creationId="{C57869BD-4F01-1DCB-F036-6C82E8BC7CA6}"/>
           </ac:spMkLst>
         </pc:spChg>
-        <pc:spChg chg="del">
-          <ac:chgData name="Nicole De La Mata" userId="878a281c-078f-44b6-973f-8ffac8d417e1" providerId="ADAL" clId="{79196F8A-5B65-4817-BD1C-5897143AED69}" dt="2026-02-24T20:35:00.960" v="1013" actId="478"/>
-          <ac:spMkLst>
-            <pc:docMk/>
-            <pc:sldMk cId="1648936318" sldId="575"/>
-            <ac:spMk id="13" creationId="{190D1801-E05A-3536-23DC-53A0AFCB2FF6}"/>
-          </ac:spMkLst>
-        </pc:spChg>
       </pc:sldChg>
       <pc:sldChg chg="addSp delSp modSp add mod">
         <pc:chgData name="Nicole De La Mata" userId="878a281c-078f-44b6-973f-8ffac8d417e1" providerId="ADAL" clId="{79196F8A-5B65-4817-BD1C-5897143AED69}" dt="2026-02-24T23:27:48.295" v="1114" actId="1076"/>
@@ -332,14 +293,6 @@
             <pc:docMk/>
             <pc:sldMk cId="2030923234" sldId="576"/>
             <ac:spMk id="2" creationId="{40BE8142-615A-FD07-0C7A-1679C9CB1E2B}"/>
-          </ac:spMkLst>
-        </pc:spChg>
-        <pc:spChg chg="del">
-          <ac:chgData name="Nicole De La Mata" userId="878a281c-078f-44b6-973f-8ffac8d417e1" providerId="ADAL" clId="{79196F8A-5B65-4817-BD1C-5897143AED69}" dt="2026-02-24T23:25:26.014" v="1092" actId="478"/>
-          <ac:spMkLst>
-            <pc:docMk/>
-            <pc:sldMk cId="2030923234" sldId="576"/>
-            <ac:spMk id="4" creationId="{9406269B-EEC5-24E5-444F-8601AA0E9A28}"/>
           </ac:spMkLst>
         </pc:spChg>
         <pc:picChg chg="add mod">
@@ -373,14 +326,6 @@
             <ac:spMk id="3" creationId="{252BB5AC-B60D-3DD4-57BB-0CEEE91C764B}"/>
           </ac:spMkLst>
         </pc:spChg>
-        <pc:picChg chg="del">
-          <ac:chgData name="Nicole De La Mata" userId="878a281c-078f-44b6-973f-8ffac8d417e1" providerId="ADAL" clId="{79196F8A-5B65-4817-BD1C-5897143AED69}" dt="2026-02-24T23:28:03.699" v="1131" actId="478"/>
-          <ac:picMkLst>
-            <pc:docMk/>
-            <pc:sldMk cId="4117525123" sldId="577"/>
-            <ac:picMk id="5" creationId="{76BB57A2-6C3E-5BA7-4071-579A2EC1440B}"/>
-          </ac:picMkLst>
-        </pc:picChg>
       </pc:sldChg>
       <pc:sldChg chg="addSp delSp modSp add mod">
         <pc:chgData name="Nicole De La Mata" userId="878a281c-078f-44b6-973f-8ffac8d417e1" providerId="ADAL" clId="{79196F8A-5B65-4817-BD1C-5897143AED69}" dt="2026-02-24T23:31:41.537" v="1144" actId="1076"/>
@@ -388,14 +333,6 @@
           <pc:docMk/>
           <pc:sldMk cId="3575184761" sldId="578"/>
         </pc:sldMkLst>
-        <pc:spChg chg="del">
-          <ac:chgData name="Nicole De La Mata" userId="878a281c-078f-44b6-973f-8ffac8d417e1" providerId="ADAL" clId="{79196F8A-5B65-4817-BD1C-5897143AED69}" dt="2026-02-24T23:29:52.620" v="1141" actId="478"/>
-          <ac:spMkLst>
-            <pc:docMk/>
-            <pc:sldMk cId="3575184761" sldId="578"/>
-            <ac:spMk id="3" creationId="{E7712572-0FD2-46E5-C5FA-D47D8BF3230F}"/>
-          </ac:spMkLst>
-        </pc:spChg>
         <pc:picChg chg="add mod">
           <ac:chgData name="Nicole De La Mata" userId="878a281c-078f-44b6-973f-8ffac8d417e1" providerId="ADAL" clId="{79196F8A-5B65-4817-BD1C-5897143AED69}" dt="2026-02-24T23:31:41.537" v="1144" actId="1076"/>
           <ac:picMkLst>
@@ -427,22 +364,6 @@
             <ac:spMk id="7" creationId="{759F961D-6001-7E9F-F398-E8B230DA69E0}"/>
           </ac:spMkLst>
         </pc:spChg>
-        <pc:picChg chg="add del mod">
-          <ac:chgData name="Nicole De La Mata" userId="878a281c-078f-44b6-973f-8ffac8d417e1" providerId="ADAL" clId="{79196F8A-5B65-4817-BD1C-5897143AED69}" dt="2026-02-25T02:58:00.530" v="1169" actId="478"/>
-          <ac:picMkLst>
-            <pc:docMk/>
-            <pc:sldMk cId="156558607" sldId="579"/>
-            <ac:picMk id="4" creationId="{FB51C110-EFBC-9E09-5589-A0FDC5768FAA}"/>
-          </ac:picMkLst>
-        </pc:picChg>
-        <pc:picChg chg="del">
-          <ac:chgData name="Nicole De La Mata" userId="878a281c-078f-44b6-973f-8ffac8d417e1" providerId="ADAL" clId="{79196F8A-5B65-4817-BD1C-5897143AED69}" dt="2026-02-25T02:55:16.624" v="1146" actId="478"/>
-          <ac:picMkLst>
-            <pc:docMk/>
-            <pc:sldMk cId="156558607" sldId="579"/>
-            <ac:picMk id="5" creationId="{6664DC62-9787-121A-78F3-4BFF011C8D32}"/>
-          </ac:picMkLst>
-        </pc:picChg>
       </pc:sldChg>
       <pc:sldChg chg="add">
         <pc:chgData name="Nicole De La Mata" userId="878a281c-078f-44b6-973f-8ffac8d417e1" providerId="ADAL" clId="{79196F8A-5B65-4817-BD1C-5897143AED69}" dt="2026-02-25T02:57:56.430" v="1168" actId="2890"/>
@@ -463,14 +384,6 @@
             <pc:docMk/>
             <pc:sldMk cId="1338931542" sldId="581"/>
             <ac:spMk id="2" creationId="{D4D169B7-EAC8-163E-5ED3-0222C3F93450}"/>
-          </ac:spMkLst>
-        </pc:spChg>
-        <pc:spChg chg="del">
-          <ac:chgData name="Nicole De La Mata" userId="878a281c-078f-44b6-973f-8ffac8d417e1" providerId="ADAL" clId="{79196F8A-5B65-4817-BD1C-5897143AED69}" dt="2026-02-25T03:00:04.180" v="1198" actId="478"/>
-          <ac:spMkLst>
-            <pc:docMk/>
-            <pc:sldMk cId="1338931542" sldId="581"/>
-            <ac:spMk id="7" creationId="{3C79C8A4-3B1E-8D74-B5CE-0A1A15026D69}"/>
           </ac:spMkLst>
         </pc:spChg>
         <pc:picChg chg="add mod">
@@ -496,14 +409,6 @@
             <ac:spMk id="2" creationId="{49E41429-1297-2FC6-7765-788A6C566365}"/>
           </ac:spMkLst>
         </pc:spChg>
-        <pc:picChg chg="del">
-          <ac:chgData name="Nicole De La Mata" userId="878a281c-078f-44b6-973f-8ffac8d417e1" providerId="ADAL" clId="{79196F8A-5B65-4817-BD1C-5897143AED69}" dt="2026-02-25T03:06:20.971" v="1219" actId="478"/>
-          <ac:picMkLst>
-            <pc:docMk/>
-            <pc:sldMk cId="1127667701" sldId="582"/>
-            <ac:picMk id="4" creationId="{7410E12F-E27D-07E3-A729-B581E5C7C3A3}"/>
-          </ac:picMkLst>
-        </pc:picChg>
         <pc:picChg chg="add mod">
           <ac:chgData name="Nicole De La Mata" userId="878a281c-078f-44b6-973f-8ffac8d417e1" providerId="ADAL" clId="{79196F8A-5B65-4817-BD1C-5897143AED69}" dt="2026-02-25T10:06:57.729" v="1262" actId="14100"/>
           <ac:picMkLst>
@@ -527,14 +432,6 @@
             <ac:spMk id="2" creationId="{CCAD25A8-06B1-151B-E759-61A836F399FF}"/>
           </ac:spMkLst>
         </pc:spChg>
-        <pc:picChg chg="del">
-          <ac:chgData name="Nicole De La Mata" userId="878a281c-078f-44b6-973f-8ffac8d417e1" providerId="ADAL" clId="{79196F8A-5B65-4817-BD1C-5897143AED69}" dt="2026-02-25T10:05:32.456" v="1227" actId="478"/>
-          <ac:picMkLst>
-            <pc:docMk/>
-            <pc:sldMk cId="3081923512" sldId="583"/>
-            <ac:picMk id="4" creationId="{5F6CF98E-D5D9-82C1-6BF1-C5DBC082A4E5}"/>
-          </ac:picMkLst>
-        </pc:picChg>
         <pc:picChg chg="add mod">
           <ac:chgData name="Nicole De La Mata" userId="878a281c-078f-44b6-973f-8ffac8d417e1" providerId="ADAL" clId="{79196F8A-5B65-4817-BD1C-5897143AED69}" dt="2026-02-25T10:06:11.564" v="1259" actId="1076"/>
           <ac:picMkLst>
@@ -589,14 +486,6 @@
             <ac:spMk id="6" creationId="{6D91611F-162E-5208-0CF0-3EE1C192BBFE}"/>
           </ac:spMkLst>
         </pc:spChg>
-        <pc:picChg chg="del">
-          <ac:chgData name="Nicole De La Mata" userId="878a281c-078f-44b6-973f-8ffac8d417e1" providerId="ADAL" clId="{79196F8A-5B65-4817-BD1C-5897143AED69}" dt="2026-02-25T10:13:11.430" v="1282" actId="478"/>
-          <ac:picMkLst>
-            <pc:docMk/>
-            <pc:sldMk cId="2977521402" sldId="585"/>
-            <ac:picMk id="5" creationId="{911A18D7-0EB2-46F0-DE44-3ACF9214AFE8}"/>
-          </ac:picMkLst>
-        </pc:picChg>
       </pc:sldChg>
     </pc:docChg>
   </pc:docChgLst>
@@ -685,7 +574,7 @@
           <a:p>
             <a:fld id="{5C253762-C138-0D4D-98BD-E45749408AA7}" type="datetimeFigureOut">
               <a:rPr lang="en-US" smtClean="0"/>
-              <a:t>2/25/2026</a:t>
+              <a:t>2/27/2026</a:t>
             </a:fld>
             <a:endParaRPr lang="en-US"/>
           </a:p>
@@ -26128,9 +26017,10 @@
               </a:lnSpc>
             </a:pPr>
             <a:r>
-              <a:rPr lang="en-AU" dirty="0"/>
-              <a:t>Trans==1</a:t>
-            </a:r>
+              <a:rPr lang="en-AU"/>
+              <a:t>Trans==2</a:t>
+            </a:r>
+            <a:endParaRPr lang="en-AU" dirty="0"/>
           </a:p>
         </p:txBody>
       </p:sp>
@@ -31970,6 +31860,15 @@
 </file>
 
 <file path=customXml/item1.xml><?xml version="1.0" encoding="utf-8"?>
+<?mso-contentType ?>
+<FormTemplates xmlns="http://schemas.microsoft.com/sharepoint/v3/contenttype/forms">
+  <Display>DocumentLibraryForm</Display>
+  <Edit>DocumentLibraryForm</Edit>
+  <New>DocumentLibraryForm</New>
+</FormTemplates>
+</file>
+
+<file path=customXml/item2.xml><?xml version="1.0" encoding="utf-8"?>
 <p:properties xmlns:p="http://schemas.microsoft.com/office/2006/metadata/properties" xmlns:xsi="http://www.w3.org/2001/XMLSchema-instance" xmlns:pc="http://schemas.microsoft.com/office/infopath/2007/PartnerControls">
   <documentManagement>
     <lcf76f155ced4ddcb4097134ff3c332f xmlns="7342e17a-d69a-4a7c-aca9-8c457aad35e5">
@@ -31979,15 +31878,6 @@
     <Reportpage xmlns="7342e17a-d69a-4a7c-aca9-8c457aad35e5" xsi:nil="true"/>
   </documentManagement>
 </p:properties>
-</file>
-
-<file path=customXml/item2.xml><?xml version="1.0" encoding="utf-8"?>
-<?mso-contentType ?>
-<FormTemplates xmlns="http://schemas.microsoft.com/sharepoint/v3/contenttype/forms">
-  <Display>DocumentLibraryForm</Display>
-  <Edit>DocumentLibraryForm</Edit>
-  <New>DocumentLibraryForm</New>
-</FormTemplates>
 </file>
 
 <file path=customXml/item3.xml><?xml version="1.0" encoding="utf-8"?>
@@ -32206,6 +32096,14 @@
 </file>
 
 <file path=customXml/itemProps1.xml><?xml version="1.0" encoding="utf-8"?>
+<ds:datastoreItem xmlns:ds="http://schemas.openxmlformats.org/officeDocument/2006/customXml" ds:itemID="{959B7B7D-D26A-4C33-826F-DADE54E4FDFA}">
+  <ds:schemaRefs>
+    <ds:schemaRef ds:uri="http://schemas.microsoft.com/sharepoint/v3/contenttype/forms"/>
+  </ds:schemaRefs>
+</ds:datastoreItem>
+</file>
+
+<file path=customXml/itemProps2.xml><?xml version="1.0" encoding="utf-8"?>
 <ds:datastoreItem xmlns:ds="http://schemas.openxmlformats.org/officeDocument/2006/customXml" ds:itemID="{61D04B00-E890-4682-9295-DDD3DDE8268D}">
   <ds:schemaRefs>
     <ds:schemaRef ds:uri="http://purl.org/dc/dcmitype/"/>
@@ -32218,14 +32116,6 @@
     <ds:schemaRef ds:uri="http://schemas.microsoft.com/office/infopath/2007/PartnerControls"/>
     <ds:schemaRef ds:uri="http://www.w3.org/XML/1998/namespace"/>
     <ds:schemaRef ds:uri="http://schemas.openxmlformats.org/package/2006/metadata/core-properties"/>
-  </ds:schemaRefs>
-</ds:datastoreItem>
-</file>
-
-<file path=customXml/itemProps2.xml><?xml version="1.0" encoding="utf-8"?>
-<ds:datastoreItem xmlns:ds="http://schemas.openxmlformats.org/officeDocument/2006/customXml" ds:itemID="{959B7B7D-D26A-4C33-826F-DADE54E4FDFA}">
-  <ds:schemaRefs>
-    <ds:schemaRef ds:uri="http://schemas.microsoft.com/sharepoint/v3/contenttype/forms"/>
   </ds:schemaRefs>
 </ds:datastoreItem>
 </file>
